--- a/ta-session/swpp_03.14.pptx
+++ b/ta-session/swpp_03.14.pptx
@@ -12,8 +12,9 @@
     <p:sldId id="260" r:id="rId6"/>
     <p:sldId id="261" r:id="rId7"/>
     <p:sldId id="258" r:id="rId8"/>
-    <p:sldId id="263" r:id="rId9"/>
-    <p:sldId id="264" r:id="rId10"/>
+    <p:sldId id="266" r:id="rId9"/>
+    <p:sldId id="263" r:id="rId10"/>
+    <p:sldId id="264" r:id="rId11"/>
   </p:sldIdLst>
   <p:sldSz cx="12192000" cy="6858000"/>
   <p:notesSz cx="6858000" cy="9144000"/>
@@ -3049,6 +3050,91 @@
 </p:sld>
 </file>
 
+<file path=ppt/slides/slide10.xml><?xml version="1.0" encoding="utf-8"?>
+<p:sld xmlns:a="http://schemas.openxmlformats.org/drawingml/2006/main" xmlns:r="http://schemas.openxmlformats.org/officeDocument/2006/relationships" xmlns:p="http://schemas.openxmlformats.org/presentationml/2006/main">
+  <p:cSld>
+    <p:spTree>
+      <p:nvGrpSpPr>
+        <p:cNvPr id="1" name=""/>
+        <p:cNvGrpSpPr/>
+        <p:nvPr/>
+      </p:nvGrpSpPr>
+      <p:grpSpPr>
+        <a:xfrm>
+          <a:off x="0" y="0"/>
+          <a:ext cx="0" cy="0"/>
+          <a:chOff x="0" y="0"/>
+          <a:chExt cx="0" cy="0"/>
+        </a:xfrm>
+      </p:grpSpPr>
+      <p:sp>
+        <p:nvSpPr>
+          <p:cNvPr id="2" name="제목 1"/>
+          <p:cNvSpPr>
+            <a:spLocks noGrp="1"/>
+          </p:cNvSpPr>
+          <p:nvPr>
+            <p:ph type="title"/>
+          </p:nvPr>
+        </p:nvSpPr>
+        <p:spPr/>
+        <p:txBody>
+          <a:bodyPr/>
+          <a:lstStyle/>
+          <a:p>
+            <a:r>
+              <a:rPr kumimoji="1" lang="ko-KR" altLang="en-US" dirty="0" smtClean="0"/>
+              <a:t>완료 화면</a:t>
+            </a:r>
+            <a:endParaRPr kumimoji="1" lang="ko-KR" altLang="en-US" dirty="0"/>
+          </a:p>
+        </p:txBody>
+      </p:sp>
+      <p:pic>
+        <p:nvPicPr>
+          <p:cNvPr id="4" name="내용 개체 틀 3"/>
+          <p:cNvPicPr>
+            <a:picLocks noGrp="1" noChangeAspect="1"/>
+          </p:cNvPicPr>
+          <p:nvPr>
+            <p:ph idx="1"/>
+          </p:nvPr>
+        </p:nvPicPr>
+        <p:blipFill>
+          <a:blip r:embed="rId2">
+            <a:extLst>
+              <a:ext uri="{28A0092B-C50C-407E-A947-70E740481C1C}">
+                <a14:useLocalDpi xmlns:a14="http://schemas.microsoft.com/office/drawing/2010/main" val="0"/>
+              </a:ext>
+            </a:extLst>
+          </a:blip>
+          <a:stretch>
+            <a:fillRect/>
+          </a:stretch>
+        </p:blipFill>
+        <p:spPr>
+          <a:xfrm>
+            <a:off x="1394460" y="1363408"/>
+            <a:ext cx="8609857" cy="5270755"/>
+          </a:xfrm>
+          <a:prstGeom prst="rect">
+            <a:avLst/>
+          </a:prstGeom>
+        </p:spPr>
+      </p:pic>
+    </p:spTree>
+    <p:extLst>
+      <p:ext uri="{BB962C8B-B14F-4D97-AF65-F5344CB8AC3E}">
+        <p14:creationId xmlns:p14="http://schemas.microsoft.com/office/powerpoint/2010/main" val="499301666"/>
+      </p:ext>
+    </p:extLst>
+  </p:cSld>
+  <p:clrMapOvr>
+    <a:masterClrMapping/>
+  </p:clrMapOvr>
+</p:sld>
+</file>
+
 <file path=ppt/slides/slide2.xml><?xml version="1.0" encoding="utf-8"?>
 <p:sld xmlns:a="http://schemas.openxmlformats.org/drawingml/2006/main" xmlns:r="http://schemas.openxmlformats.org/officeDocument/2006/relationships" xmlns:p="http://schemas.openxmlformats.org/presentationml/2006/main">
   <p:cSld>
@@ -3374,41 +3460,93 @@
           <a:p>
             <a:r>
               <a:rPr kumimoji="1" lang="en-US" altLang="ko-KR" sz="7000" dirty="0" smtClean="0"/>
-              <a:t>./configure   -&gt; error </a:t>
-            </a:r>
-            <a:r>
-              <a:rPr kumimoji="1" lang="ko-KR" altLang="en-US" sz="7000" dirty="0" smtClean="0"/>
+              <a:t>./configure   </a:t>
+            </a:r>
+            <a:endParaRPr kumimoji="1" lang="en-US" altLang="ko-KR" sz="7000" dirty="0" smtClean="0"/>
+          </a:p>
+          <a:p>
+            <a:pPr lvl="1"/>
+            <a:r>
+              <a:rPr kumimoji="1" lang="en-US" altLang="ko-KR" sz="6600" dirty="0" smtClean="0"/>
+              <a:t>Error</a:t>
+            </a:r>
+            <a:r>
+              <a:rPr kumimoji="1" lang="ko-KR" altLang="en-US" sz="6600" dirty="0"/>
+              <a:t> </a:t>
+            </a:r>
+            <a:r>
+              <a:rPr kumimoji="1" lang="en-US" altLang="ko-KR" sz="6600" dirty="0" smtClean="0"/>
+              <a:t>:</a:t>
+            </a:r>
+            <a:r>
+              <a:rPr kumimoji="1" lang="ko-KR" altLang="en-US" sz="6600" dirty="0" smtClean="0"/>
+              <a:t> </a:t>
+            </a:r>
+            <a:r>
+              <a:rPr kumimoji="1" lang="en-US" altLang="ko-KR" sz="6600" dirty="0" smtClean="0"/>
+              <a:t>“</a:t>
+            </a:r>
+            <a:r>
+              <a:rPr kumimoji="1" lang="en-US" altLang="ko-KR" sz="6600" dirty="0" err="1" smtClean="0"/>
+              <a:t>rm</a:t>
+            </a:r>
+            <a:r>
+              <a:rPr kumimoji="1" lang="en-US" altLang="ko-KR" sz="6600" dirty="0" smtClean="0"/>
+              <a:t> –</a:t>
+            </a:r>
+            <a:r>
+              <a:rPr kumimoji="1" lang="en-US" altLang="ko-KR" sz="6600" dirty="0" err="1" smtClean="0"/>
+              <a:t>rf:cannot</a:t>
+            </a:r>
+            <a:r>
+              <a:rPr kumimoji="1" lang="en-US" altLang="ko-KR" sz="6600" dirty="0" smtClean="0"/>
+              <a:t> remove </a:t>
+            </a:r>
+            <a:r>
+              <a:rPr kumimoji="1" lang="en-US" altLang="ko-KR" sz="6600" dirty="0" err="1" smtClean="0"/>
+              <a:t>libtool</a:t>
+            </a:r>
+            <a:r>
+              <a:rPr kumimoji="1" lang="en-US" altLang="ko-KR" sz="6600" dirty="0" smtClean="0"/>
+              <a:t>” </a:t>
+            </a:r>
+            <a:r>
+              <a:rPr kumimoji="1" lang="ko-KR" altLang="en-US" sz="6600" dirty="0" smtClean="0"/>
               <a:t>시 </a:t>
             </a:r>
             <a:r>
-              <a:rPr lang="en-US" altLang="ko-KR" sz="7000" dirty="0" err="1"/>
+              <a:rPr lang="en-US" altLang="ko-KR" sz="6600" dirty="0" err="1" smtClean="0"/>
               <a:t>cp</a:t>
             </a:r>
             <a:r>
-              <a:rPr lang="en-US" altLang="ko-KR" sz="7000" dirty="0"/>
-              <a:t> -</a:t>
-            </a:r>
-            <a:r>
-              <a:rPr lang="en-US" altLang="ko-KR" sz="7000" dirty="0" err="1"/>
+              <a:rPr lang="en-US" altLang="ko-KR" sz="6600" dirty="0" smtClean="0"/>
+              <a:t> </a:t>
+            </a:r>
+            <a:r>
+              <a:rPr lang="en-US" altLang="ko-KR" sz="6600" dirty="0"/>
+              <a:t>-</a:t>
+            </a:r>
+            <a:r>
+              <a:rPr lang="en-US" altLang="ko-KR" sz="6600" dirty="0" err="1"/>
               <a:t>arp</a:t>
             </a:r>
             <a:r>
-              <a:rPr lang="en-US" altLang="ko-KR" sz="7000" dirty="0"/>
+              <a:rPr lang="en-US" altLang="ko-KR" sz="6600" dirty="0"/>
               <a:t> </a:t>
             </a:r>
             <a:r>
-              <a:rPr lang="en-US" altLang="ko-KR" sz="7000" dirty="0" err="1"/>
+              <a:rPr lang="en-US" altLang="ko-KR" sz="6600" dirty="0" err="1"/>
               <a:t>libtool</a:t>
             </a:r>
             <a:r>
-              <a:rPr lang="en-US" altLang="ko-KR" sz="7000" dirty="0"/>
+              <a:rPr lang="en-US" altLang="ko-KR" sz="6600" dirty="0"/>
               <a:t> </a:t>
             </a:r>
             <a:r>
-              <a:rPr lang="en-US" altLang="ko-KR" sz="7000" dirty="0" err="1"/>
+              <a:rPr lang="en-US" altLang="ko-KR" sz="6600" dirty="0" err="1"/>
               <a:t>libtoolT</a:t>
             </a:r>
-            <a:endParaRPr kumimoji="1" lang="en-US" altLang="ko-KR" sz="7000" dirty="0" smtClean="0"/>
+            <a:endParaRPr kumimoji="1" lang="en-US" altLang="ko-KR" sz="6600" dirty="0" smtClean="0"/>
           </a:p>
           <a:p>
             <a:r>
@@ -3527,7 +3665,22 @@
             </a:r>
             <a:r>
               <a:rPr kumimoji="1" lang="ko-KR" altLang="en-US" dirty="0" smtClean="0"/>
-              <a:t>링크 주소 복사</a:t>
+              <a:t>링크 주소 </a:t>
+            </a:r>
+            <a:r>
+              <a:rPr kumimoji="1" lang="ko-KR" altLang="en-US" dirty="0" smtClean="0"/>
+              <a:t>복사</a:t>
+            </a:r>
+            <a:endParaRPr kumimoji="1" lang="en-US" altLang="ko-KR" dirty="0" smtClean="0"/>
+          </a:p>
+          <a:p>
+            <a:r>
+              <a:rPr kumimoji="1" lang="en-US" altLang="ko-KR" dirty="0"/>
+              <a:t>c</a:t>
+            </a:r>
+            <a:r>
+              <a:rPr kumimoji="1" lang="en-US" altLang="ko-KR" dirty="0" smtClean="0"/>
+              <a:t>d ..</a:t>
             </a:r>
             <a:endParaRPr kumimoji="1" lang="en-US" altLang="ko-KR" dirty="0" smtClean="0"/>
           </a:p>
@@ -3831,12 +3984,20 @@
           </a:p>
           <a:p>
             <a:r>
-              <a:rPr kumimoji="1" lang="en-US" altLang="ko-KR" dirty="0"/>
-              <a:t>m</a:t>
-            </a:r>
-            <a:r>
-              <a:rPr kumimoji="1" lang="en-US" altLang="ko-KR" dirty="0" smtClean="0"/>
-              <a:t>ake install</a:t>
+              <a:rPr kumimoji="1" lang="en-US" altLang="ko-KR" dirty="0" err="1"/>
+              <a:t>s</a:t>
+            </a:r>
+            <a:r>
+              <a:rPr kumimoji="1" lang="en-US" altLang="ko-KR" dirty="0" err="1" smtClean="0"/>
+              <a:t>udo</a:t>
+            </a:r>
+            <a:r>
+              <a:rPr kumimoji="1" lang="en-US" altLang="ko-KR" dirty="0" smtClean="0"/>
+              <a:t> make </a:t>
+            </a:r>
+            <a:r>
+              <a:rPr kumimoji="1" lang="en-US" altLang="ko-KR" dirty="0" smtClean="0"/>
+              <a:t>install</a:t>
             </a:r>
             <a:endParaRPr kumimoji="1" lang="ko-KR" altLang="en-US" dirty="0"/>
           </a:p>
@@ -3916,7 +4077,7 @@
         <p:spPr/>
         <p:txBody>
           <a:bodyPr>
-            <a:normAutofit/>
+            <a:normAutofit fontScale="85000" lnSpcReduction="20000"/>
           </a:bodyPr>
           <a:lstStyle/>
           <a:p>
@@ -3948,25 +4109,36 @@
             </a:r>
             <a:r>
               <a:rPr kumimoji="1" lang="ko-KR" altLang="en-US" dirty="0" smtClean="0"/>
-              <a:t>링크 주소 복사</a:t>
+              <a:t>링크 주소 </a:t>
+            </a:r>
+            <a:r>
+              <a:rPr kumimoji="1" lang="ko-KR" altLang="en-US" dirty="0" smtClean="0"/>
+              <a:t>복사</a:t>
+            </a:r>
+            <a:endParaRPr kumimoji="1" lang="en-US" altLang="ko-KR" dirty="0" smtClean="0"/>
+          </a:p>
+          <a:p>
+            <a:r>
+              <a:rPr kumimoji="1" lang="en-US" altLang="ko-KR" dirty="0"/>
+              <a:t>c</a:t>
+            </a:r>
+            <a:r>
+              <a:rPr kumimoji="1" lang="en-US" altLang="ko-KR" dirty="0" smtClean="0"/>
+              <a:t>d ..</a:t>
+            </a:r>
+          </a:p>
+          <a:p>
+            <a:r>
+              <a:rPr kumimoji="1" lang="en-US" altLang="ko-KR" dirty="0" err="1" smtClean="0"/>
+              <a:t>wget</a:t>
             </a:r>
             <a:r>
               <a:rPr kumimoji="1" lang="en-US" altLang="ko-KR" dirty="0" smtClean="0"/>
               <a:t> </a:t>
             </a:r>
-          </a:p>
-          <a:p>
-            <a:r>
-              <a:rPr kumimoji="1" lang="en-US" altLang="ko-KR" dirty="0" err="1"/>
-              <a:t>w</a:t>
-            </a:r>
-            <a:r>
-              <a:rPr kumimoji="1" lang="en-US" altLang="ko-KR" dirty="0" err="1" smtClean="0"/>
-              <a:t>get</a:t>
-            </a:r>
-            <a:r>
-              <a:rPr kumimoji="1" lang="en-US" altLang="ko-KR" dirty="0" smtClean="0"/>
-              <a:t> ctrl +v </a:t>
+            <a:r>
+              <a:rPr kumimoji="1" lang="en-US" altLang="ko-KR" dirty="0" smtClean="0"/>
+              <a:t>ctrl +v </a:t>
             </a:r>
             <a:endParaRPr kumimoji="1" lang="en-US" altLang="ko-KR" dirty="0"/>
           </a:p>
@@ -3985,8 +4157,13 @@
             </a:r>
             <a:r>
               <a:rPr kumimoji="1" lang="en-US" altLang="ko-KR" dirty="0" smtClean="0"/>
-              <a:t> 4.5.15</a:t>
-            </a:r>
+              <a:t> </a:t>
+            </a:r>
+            <a:r>
+              <a:rPr kumimoji="1" lang="en-US" altLang="ko-KR" dirty="0" smtClean="0"/>
+              <a:t>4.5.15.tar.gz</a:t>
+            </a:r>
+            <a:endParaRPr kumimoji="1" lang="en-US" altLang="ko-KR" dirty="0" smtClean="0"/>
           </a:p>
           <a:p>
             <a:r>
@@ -3995,8 +4172,13 @@
             </a:r>
             <a:r>
               <a:rPr kumimoji="1" lang="en-US" altLang="ko-KR" dirty="0" smtClean="0"/>
-              <a:t>d mod_wsgi-4.5.15</a:t>
-            </a:r>
+              <a:t>d </a:t>
+            </a:r>
+            <a:r>
+              <a:rPr kumimoji="1" lang="en-US" altLang="ko-KR" dirty="0" smtClean="0"/>
+              <a:t>mod_wsgi-4.5.15</a:t>
+            </a:r>
+            <a:endParaRPr kumimoji="1" lang="en-US" altLang="ko-KR" dirty="0" smtClean="0"/>
           </a:p>
           <a:p>
             <a:r>
@@ -4035,6 +4217,57 @@
               <a:rPr kumimoji="1" lang="en-US" altLang="ko-KR" dirty="0" smtClean="0"/>
               <a:t>/local/bin/python</a:t>
             </a:r>
+          </a:p>
+          <a:p>
+            <a:r>
+              <a:rPr kumimoji="1" lang="ko-KR" altLang="en-US" dirty="0" smtClean="0"/>
+              <a:t>파이썬 경로가 달라서 위의 명령어가 안 될 시</a:t>
+            </a:r>
+            <a:endParaRPr kumimoji="1" lang="en-US" altLang="ko-KR" dirty="0" smtClean="0"/>
+          </a:p>
+          <a:p>
+            <a:pPr lvl="1"/>
+            <a:r>
+              <a:rPr kumimoji="1" lang="en-US" altLang="ko-KR" dirty="0" smtClean="0"/>
+              <a:t>./</a:t>
+            </a:r>
+            <a:r>
+              <a:rPr kumimoji="1" lang="en-US" altLang="ko-KR" dirty="0"/>
+              <a:t>configure --with-</a:t>
+            </a:r>
+            <a:r>
+              <a:rPr kumimoji="1" lang="en-US" altLang="ko-KR" dirty="0" err="1"/>
+              <a:t>apxs</a:t>
+            </a:r>
+            <a:r>
+              <a:rPr kumimoji="1" lang="en-US" altLang="ko-KR" dirty="0"/>
+              <a:t>=/</a:t>
+            </a:r>
+            <a:r>
+              <a:rPr kumimoji="1" lang="en-US" altLang="ko-KR" dirty="0" err="1"/>
+              <a:t>usr</a:t>
+            </a:r>
+            <a:r>
+              <a:rPr kumimoji="1" lang="en-US" altLang="ko-KR" dirty="0"/>
+              <a:t>/local/apache/bin/</a:t>
+            </a:r>
+            <a:r>
+              <a:rPr kumimoji="1" lang="en-US" altLang="ko-KR" dirty="0" err="1"/>
+              <a:t>apxs</a:t>
+            </a:r>
+            <a:r>
+              <a:rPr kumimoji="1" lang="en-US" altLang="ko-KR" dirty="0"/>
+              <a:t> –with-python=/</a:t>
+            </a:r>
+            <a:r>
+              <a:rPr kumimoji="1" lang="en-US" altLang="ko-KR" dirty="0" err="1" smtClean="0"/>
+              <a:t>usr</a:t>
+            </a:r>
+            <a:r>
+              <a:rPr kumimoji="1" lang="en-US" altLang="ko-KR" dirty="0" smtClean="0"/>
+              <a:t>/bin/python3</a:t>
+            </a:r>
+            <a:endParaRPr kumimoji="1" lang="en-US" altLang="ko-KR" dirty="0" smtClean="0"/>
           </a:p>
           <a:p>
             <a:r>
@@ -4138,21 +4371,31 @@
         <p:spPr/>
         <p:txBody>
           <a:bodyPr>
-            <a:normAutofit/>
+            <a:normAutofit fontScale="92500" lnSpcReduction="10000"/>
           </a:bodyPr>
           <a:lstStyle/>
           <a:p>
             <a:r>
-              <a:rPr kumimoji="1" lang="en-US" altLang="ko-KR" dirty="0" err="1"/>
-              <a:t>s</a:t>
-            </a:r>
+              <a:rPr kumimoji="1" lang="en-US" altLang="ko-KR" dirty="0"/>
+              <a:t>c</a:t>
+            </a:r>
+            <a:r>
+              <a:rPr kumimoji="1" lang="en-US" altLang="ko-KR" dirty="0" smtClean="0"/>
+              <a:t>d ..</a:t>
+            </a:r>
+          </a:p>
+          <a:p>
             <a:r>
               <a:rPr kumimoji="1" lang="en-US" altLang="ko-KR" dirty="0" err="1" smtClean="0"/>
-              <a:t>udo</a:t>
-            </a:r>
-            <a:r>
-              <a:rPr kumimoji="1" lang="en-US" altLang="ko-KR" dirty="0" smtClean="0"/>
-              <a:t> install </a:t>
+              <a:t>sudo</a:t>
+            </a:r>
+            <a:r>
+              <a:rPr kumimoji="1" lang="en-US" altLang="ko-KR" dirty="0" smtClean="0"/>
+              <a:t> </a:t>
+            </a:r>
+            <a:r>
+              <a:rPr kumimoji="1" lang="en-US" altLang="ko-KR" dirty="0" smtClean="0"/>
+              <a:t>install </a:t>
             </a:r>
             <a:r>
               <a:rPr kumimoji="1" lang="en-US" altLang="ko-KR" dirty="0" err="1" smtClean="0"/>
@@ -4266,12 +4509,19 @@
           </a:p>
           <a:p>
             <a:r>
-              <a:rPr kumimoji="1" lang="en-US" altLang="ko-KR" dirty="0"/>
-              <a:t>p</a:t>
-            </a:r>
-            <a:r>
-              <a:rPr kumimoji="1" lang="en-US" altLang="ko-KR" dirty="0" smtClean="0"/>
-              <a:t>ython3 </a:t>
+              <a:rPr lang="en-US" altLang="ko-KR" dirty="0" smtClean="0"/>
+              <a:t>cd </a:t>
+            </a:r>
+            <a:r>
+              <a:rPr lang="en-US" altLang="ko-KR" dirty="0" err="1" smtClean="0"/>
+              <a:t>mysite</a:t>
+            </a:r>
+            <a:endParaRPr lang="en-US" altLang="ko-KR" dirty="0" smtClean="0"/>
+          </a:p>
+          <a:p>
+            <a:r>
+              <a:rPr kumimoji="1" lang="en-US" altLang="ko-KR" dirty="0" smtClean="0"/>
+              <a:t>python3 </a:t>
             </a:r>
             <a:r>
               <a:rPr kumimoji="1" lang="en-US" altLang="ko-KR" dirty="0" err="1" smtClean="0"/>
@@ -4370,46 +4620,156 @@
           <a:lstStyle/>
           <a:p>
             <a:r>
+              <a:rPr kumimoji="1" lang="en-US" altLang="ko-KR" dirty="0" smtClean="0"/>
+              <a:t>AWS </a:t>
+            </a:r>
+            <a:r>
               <a:rPr kumimoji="1" lang="ko-KR" altLang="en-US" dirty="0" smtClean="0"/>
-              <a:t>완료 화면</a:t>
+              <a:t>사용시 접속방법</a:t>
             </a:r>
             <a:endParaRPr kumimoji="1" lang="ko-KR" altLang="en-US" dirty="0"/>
           </a:p>
         </p:txBody>
       </p:sp>
-      <p:pic>
-        <p:nvPicPr>
-          <p:cNvPr id="4" name="내용 개체 틀 3"/>
-          <p:cNvPicPr>
-            <a:picLocks noGrp="1" noChangeAspect="1"/>
-          </p:cNvPicPr>
+      <p:sp>
+        <p:nvSpPr>
+          <p:cNvPr id="3" name="내용 개체 틀 2"/>
+          <p:cNvSpPr>
+            <a:spLocks noGrp="1"/>
+          </p:cNvSpPr>
           <p:nvPr>
             <p:ph idx="1"/>
           </p:nvPr>
-        </p:nvPicPr>
-        <p:blipFill>
-          <a:blip r:embed="rId2">
-            <a:extLst>
-              <a:ext uri="{28A0092B-C50C-407E-A947-70E740481C1C}">
-                <a14:useLocalDpi xmlns:a14="http://schemas.microsoft.com/office/drawing/2010/main" val="0"/>
-              </a:ext>
-            </a:extLst>
-          </a:blip>
-          <a:stretch>
-            <a:fillRect/>
-          </a:stretch>
-        </p:blipFill>
-        <p:spPr>
-          <a:xfrm>
-            <a:off x="838200" y="1314574"/>
-            <a:ext cx="9140190" cy="5543426"/>
-          </a:xfrm>
-        </p:spPr>
-      </p:pic>
+        </p:nvSpPr>
+        <p:spPr/>
+        <p:txBody>
+          <a:bodyPr/>
+          <a:lstStyle/>
+          <a:p>
+            <a:pPr marL="514350" indent="-514350">
+              <a:buFont typeface="+mj-lt"/>
+              <a:buAutoNum type="arabicPeriod"/>
+            </a:pPr>
+            <a:r>
+              <a:rPr lang="en-US" altLang="ko-KR" dirty="0" smtClean="0"/>
+              <a:t>Elastic </a:t>
+            </a:r>
+            <a:r>
+              <a:rPr lang="en-US" altLang="ko-KR" dirty="0" err="1"/>
+              <a:t>ip</a:t>
+            </a:r>
+            <a:r>
+              <a:rPr lang="en-US" altLang="ko-KR" dirty="0"/>
+              <a:t> </a:t>
+            </a:r>
+            <a:r>
+              <a:rPr lang="ko-KR" altLang="en-US" dirty="0"/>
+              <a:t>가</a:t>
+            </a:r>
+            <a:r>
+              <a:rPr lang="en-US" altLang="ko-KR" dirty="0"/>
+              <a:t> A.B.C.D</a:t>
+            </a:r>
+            <a:r>
+              <a:rPr lang="ko-KR" altLang="en-US" dirty="0"/>
+              <a:t>이면</a:t>
+            </a:r>
+            <a:r>
+              <a:rPr lang="en-US" altLang="ko-KR" dirty="0"/>
+              <a:t> </a:t>
+            </a:r>
+            <a:r>
+              <a:rPr lang="en-US" altLang="ko-KR" dirty="0" smtClean="0"/>
+              <a:t>:</a:t>
+            </a:r>
+            <a:r>
+              <a:rPr lang="en-US" altLang="ko-KR" dirty="0"/>
+              <a:t> </a:t>
+            </a:r>
+            <a:r>
+              <a:rPr lang="en-US" altLang="ko-KR" dirty="0" smtClean="0"/>
+              <a:t>A.B.C.D:8000 </a:t>
+            </a:r>
+            <a:r>
+              <a:rPr lang="ko-KR" altLang="en-US" dirty="0"/>
+              <a:t>으로</a:t>
+            </a:r>
+            <a:r>
+              <a:rPr lang="en-US" altLang="ko-KR" dirty="0"/>
+              <a:t> </a:t>
+            </a:r>
+            <a:r>
+              <a:rPr lang="ko-KR" altLang="en-US" dirty="0" smtClean="0"/>
+              <a:t>웹브라우저에서접속</a:t>
+            </a:r>
+            <a:endParaRPr lang="ko-KR" altLang="en-US" dirty="0"/>
+          </a:p>
+          <a:p>
+            <a:pPr marL="514350" indent="-514350">
+              <a:buFont typeface="+mj-lt"/>
+              <a:buAutoNum type="arabicPeriod"/>
+            </a:pPr>
+            <a:r>
+              <a:rPr lang="en-US" altLang="ko-KR" dirty="0"/>
+              <a:t>python </a:t>
+            </a:r>
+            <a:r>
+              <a:rPr lang="en-US" altLang="ko-KR" dirty="0" err="1"/>
+              <a:t>manage.py</a:t>
+            </a:r>
+            <a:r>
+              <a:rPr lang="en-US" altLang="ko-KR" dirty="0"/>
+              <a:t> </a:t>
+            </a:r>
+            <a:r>
+              <a:rPr lang="en-US" altLang="ko-KR" dirty="0" err="1" smtClean="0"/>
+              <a:t>runserver</a:t>
+            </a:r>
+            <a:r>
+              <a:rPr lang="en-US" altLang="ko-KR" dirty="0"/>
+              <a:t> </a:t>
+            </a:r>
+            <a:r>
+              <a:rPr lang="en-US" altLang="ko-KR" dirty="0" smtClean="0"/>
+              <a:t>0.0.0.0:8000</a:t>
+            </a:r>
+            <a:endParaRPr lang="en-US" altLang="ko-KR" dirty="0"/>
+          </a:p>
+          <a:p>
+            <a:pPr marL="514350" indent="-514350">
+              <a:buFont typeface="+mj-lt"/>
+              <a:buAutoNum type="arabicPeriod"/>
+            </a:pPr>
+            <a:r>
+              <a:rPr lang="en-US" altLang="ko-KR" dirty="0" err="1"/>
+              <a:t>settings.py</a:t>
+            </a:r>
+            <a:r>
+              <a:rPr lang="en-US" altLang="ko-KR" dirty="0"/>
+              <a:t> - “ALLOW_… = </a:t>
+            </a:r>
+            <a:r>
+              <a:rPr lang="en-US" altLang="ko-KR" dirty="0" smtClean="0"/>
+              <a:t>[‘</a:t>
+            </a:r>
+            <a:r>
+              <a:rPr lang="en-US" altLang="ko-KR" dirty="0"/>
+              <a:t>A.B.C.D’]”</a:t>
+            </a:r>
+          </a:p>
+          <a:p>
+            <a:pPr marL="514350" indent="-514350">
+              <a:buFont typeface="+mj-lt"/>
+              <a:buAutoNum type="arabicPeriod"/>
+            </a:pPr>
+            <a:endParaRPr kumimoji="1" lang="ko-KR" altLang="en-US" dirty="0"/>
+          </a:p>
+        </p:txBody>
+      </p:sp>
     </p:spTree>
     <p:extLst>
       <p:ext uri="{BB962C8B-B14F-4D97-AF65-F5344CB8AC3E}">
-        <p14:creationId xmlns:p14="http://schemas.microsoft.com/office/powerpoint/2010/main" val="1512991799"/>
+        <p14:creationId xmlns:p14="http://schemas.microsoft.com/office/powerpoint/2010/main" val="640120582"/>
       </p:ext>
     </p:extLst>
   </p:cSld>
@@ -4483,18 +4843,15 @@
         </p:blipFill>
         <p:spPr>
           <a:xfrm>
-            <a:off x="1394460" y="1363408"/>
-            <a:ext cx="8609857" cy="5270755"/>
+            <a:off x="838200" y="1314574"/>
+            <a:ext cx="9140190" cy="5543426"/>
           </a:xfrm>
-          <a:prstGeom prst="rect">
-            <a:avLst/>
-          </a:prstGeom>
         </p:spPr>
       </p:pic>
     </p:spTree>
     <p:extLst>
       <p:ext uri="{BB962C8B-B14F-4D97-AF65-F5344CB8AC3E}">
-        <p14:creationId xmlns:p14="http://schemas.microsoft.com/office/powerpoint/2010/main" val="499301666"/>
+        <p14:creationId xmlns:p14="http://schemas.microsoft.com/office/powerpoint/2010/main" val="1512991799"/>
       </p:ext>
     </p:extLst>
   </p:cSld>
